--- a/Presentation.pptx
+++ b/Presentation.pptx
@@ -16429,35 +16429,6 @@
           </a:p>
         </p:txBody>
       </p:sp>
-      <p:sp>
-        <p:nvSpPr>
-          <p:cNvPr id="6" name="Slide Number Placeholder 5">
-            <a:extLst>
-              <a:ext uri="{FF2B5EF4-FFF2-40B4-BE49-F238E27FC236}">
-                <a16:creationId xmlns:a16="http://schemas.microsoft.com/office/drawing/2014/main" id="{80396523-99B1-40A2-B822-9B9BCC05FDEB}"/>
-              </a:ext>
-            </a:extLst>
-          </p:cNvPr>
-          <p:cNvSpPr>
-            <a:spLocks noGrp="1"/>
-          </p:cNvSpPr>
-          <p:nvPr>
-            <p:ph type="sldNum" sz="quarter" idx="12"/>
-          </p:nvPr>
-        </p:nvSpPr>
-        <p:spPr/>
-        <p:txBody>
-          <a:bodyPr/>
-          <a:lstStyle/>
-          <a:p>
-            <a:fld id="{1B02E3B8-FEEB-401B-9039-88011F6CD82C}" type="slidenum">
-              <a:rPr lang="en-US" smtClean="0"/>
-              <a:t>‹#›</a:t>
-            </a:fld>
-            <a:endParaRPr lang="en-US"/>
-          </a:p>
-        </p:txBody>
-      </p:sp>
     </p:spTree>
     <p:extLst>
       <p:ext uri="{BB962C8B-B14F-4D97-AF65-F5344CB8AC3E}">
@@ -16643,7 +16614,15 @@
             <p:ph type="sldNum" sz="quarter" idx="12"/>
           </p:nvPr>
         </p:nvSpPr>
-        <p:spPr/>
+        <p:spPr>
+          <a:xfrm>
+            <a:off x="6457949" y="345615"/>
+            <a:ext cx="2262101" cy="552160"/>
+          </a:xfrm>
+          <a:prstGeom prst="rect">
+            <a:avLst/>
+          </a:prstGeom>
+        </p:spPr>
         <p:txBody>
           <a:bodyPr/>
           <a:lstStyle/>
@@ -16851,7 +16830,15 @@
             <p:ph type="sldNum" sz="quarter" idx="12"/>
           </p:nvPr>
         </p:nvSpPr>
-        <p:spPr/>
+        <p:spPr>
+          <a:xfrm>
+            <a:off x="6457949" y="345615"/>
+            <a:ext cx="2262101" cy="552160"/>
+          </a:xfrm>
+          <a:prstGeom prst="rect">
+            <a:avLst/>
+          </a:prstGeom>
+        </p:spPr>
         <p:txBody>
           <a:bodyPr/>
           <a:lstStyle/>
@@ -17049,7 +17036,15 @@
             <p:ph type="sldNum" sz="quarter" idx="12"/>
           </p:nvPr>
         </p:nvSpPr>
-        <p:spPr/>
+        <p:spPr>
+          <a:xfrm>
+            <a:off x="6457949" y="345615"/>
+            <a:ext cx="2262101" cy="552160"/>
+          </a:xfrm>
+          <a:prstGeom prst="rect">
+            <a:avLst/>
+          </a:prstGeom>
+        </p:spPr>
         <p:txBody>
           <a:bodyPr/>
           <a:lstStyle/>
@@ -17059,6 +17054,92 @@
               <a:t>‹#›</a:t>
             </a:fld>
             <a:endParaRPr lang="en-US"/>
+          </a:p>
+        </p:txBody>
+      </p:sp>
+      <p:sp>
+        <p:nvSpPr>
+          <p:cNvPr id="7" name="Oval 6">
+            <a:extLst>
+              <a:ext uri="{FF2B5EF4-FFF2-40B4-BE49-F238E27FC236}">
+                <a16:creationId xmlns:a16="http://schemas.microsoft.com/office/drawing/2014/main" id="{EA067B3C-64E4-48A2-A5E9-F1E56B58B829}"/>
+              </a:ext>
+            </a:extLst>
+          </p:cNvPr>
+          <p:cNvSpPr/>
+          <p:nvPr userDrawn="1"/>
+        </p:nvSpPr>
+        <p:spPr>
+          <a:xfrm>
+            <a:off x="8231158" y="263441"/>
+            <a:ext cx="685800" cy="685800"/>
+          </a:xfrm>
+          <a:prstGeom prst="ellipse">
+            <a:avLst/>
+          </a:prstGeom>
+          <a:gradFill flip="none" rotWithShape="1">
+            <a:gsLst>
+              <a:gs pos="0">
+                <a:schemeClr val="accent1">
+                  <a:lumMod val="5000"/>
+                  <a:lumOff val="95000"/>
+                  <a:alpha val="20000"/>
+                </a:schemeClr>
+              </a:gs>
+              <a:gs pos="100000">
+                <a:srgbClr val="C00000">
+                  <a:alpha val="95000"/>
+                </a:srgbClr>
+              </a:gs>
+            </a:gsLst>
+            <a:path path="circle">
+              <a:fillToRect l="50000" t="50000" r="50000" b="50000"/>
+            </a:path>
+            <a:tileRect/>
+          </a:gradFill>
+          <a:ln w="6350">
+            <a:solidFill>
+              <a:srgbClr val="CC0000">
+                <a:alpha val="70000"/>
+              </a:srgbClr>
+            </a:solidFill>
+          </a:ln>
+        </p:spPr>
+        <p:style>
+          <a:lnRef idx="2">
+            <a:schemeClr val="accent1">
+              <a:shade val="50000"/>
+            </a:schemeClr>
+          </a:lnRef>
+          <a:fillRef idx="1">
+            <a:schemeClr val="accent1"/>
+          </a:fillRef>
+          <a:effectRef idx="0">
+            <a:schemeClr val="accent1"/>
+          </a:effectRef>
+          <a:fontRef idx="minor">
+            <a:schemeClr val="lt1"/>
+          </a:fontRef>
+        </p:style>
+        <p:txBody>
+          <a:bodyPr rtlCol="0" anchor="ctr"/>
+          <a:lstStyle/>
+          <a:p>
+            <a:pPr algn="ctr"/>
+            <a:fld id="{1B02E3B8-FEEB-401B-9039-88011F6CD82C}" type="slidenum">
+              <a:rPr lang="en-US" sz="2000" b="1" smtClean="0">
+                <a:solidFill>
+                  <a:schemeClr val="tx1"/>
+                </a:solidFill>
+              </a:rPr>
+              <a:pPr/>
+              <a:t>‹#›</a:t>
+            </a:fld>
+            <a:endParaRPr lang="en-US" sz="2000" b="1" dirty="0">
+              <a:solidFill>
+                <a:schemeClr val="tx1"/>
+              </a:solidFill>
+            </a:endParaRPr>
           </a:p>
         </p:txBody>
       </p:sp>
@@ -17324,7 +17405,15 @@
             <p:ph type="sldNum" sz="quarter" idx="12"/>
           </p:nvPr>
         </p:nvSpPr>
-        <p:spPr/>
+        <p:spPr>
+          <a:xfrm>
+            <a:off x="6457949" y="345615"/>
+            <a:ext cx="2262101" cy="552160"/>
+          </a:xfrm>
+          <a:prstGeom prst="rect">
+            <a:avLst/>
+          </a:prstGeom>
+        </p:spPr>
         <p:txBody>
           <a:bodyPr/>
           <a:lstStyle/>
@@ -17589,7 +17678,15 @@
             <p:ph type="sldNum" sz="quarter" idx="12"/>
           </p:nvPr>
         </p:nvSpPr>
-        <p:spPr/>
+        <p:spPr>
+          <a:xfrm>
+            <a:off x="6457949" y="345615"/>
+            <a:ext cx="2262101" cy="552160"/>
+          </a:xfrm>
+          <a:prstGeom prst="rect">
+            <a:avLst/>
+          </a:prstGeom>
+        </p:spPr>
         <p:txBody>
           <a:bodyPr/>
           <a:lstStyle/>
@@ -18001,7 +18098,15 @@
             <p:ph type="sldNum" sz="quarter" idx="12"/>
           </p:nvPr>
         </p:nvSpPr>
-        <p:spPr/>
+        <p:spPr>
+          <a:xfrm>
+            <a:off x="6457949" y="345615"/>
+            <a:ext cx="2262101" cy="552160"/>
+          </a:xfrm>
+          <a:prstGeom prst="rect">
+            <a:avLst/>
+          </a:prstGeom>
+        </p:spPr>
         <p:txBody>
           <a:bodyPr/>
           <a:lstStyle/>
@@ -18142,7 +18247,15 @@
             <p:ph type="sldNum" sz="quarter" idx="12"/>
           </p:nvPr>
         </p:nvSpPr>
-        <p:spPr/>
+        <p:spPr>
+          <a:xfrm>
+            <a:off x="6457949" y="345615"/>
+            <a:ext cx="2262101" cy="552160"/>
+          </a:xfrm>
+          <a:prstGeom prst="rect">
+            <a:avLst/>
+          </a:prstGeom>
+        </p:spPr>
         <p:txBody>
           <a:bodyPr/>
           <a:lstStyle/>
@@ -18255,7 +18368,15 @@
             <p:ph type="sldNum" sz="quarter" idx="12"/>
           </p:nvPr>
         </p:nvSpPr>
-        <p:spPr/>
+        <p:spPr>
+          <a:xfrm>
+            <a:off x="6457949" y="345615"/>
+            <a:ext cx="2262101" cy="552160"/>
+          </a:xfrm>
+          <a:prstGeom prst="rect">
+            <a:avLst/>
+          </a:prstGeom>
+        </p:spPr>
         <p:txBody>
           <a:bodyPr/>
           <a:lstStyle/>
@@ -18566,7 +18687,15 @@
             <p:ph type="sldNum" sz="quarter" idx="12"/>
           </p:nvPr>
         </p:nvSpPr>
-        <p:spPr/>
+        <p:spPr>
+          <a:xfrm>
+            <a:off x="6457949" y="345615"/>
+            <a:ext cx="2262101" cy="552160"/>
+          </a:xfrm>
+          <a:prstGeom prst="rect">
+            <a:avLst/>
+          </a:prstGeom>
+        </p:spPr>
         <p:txBody>
           <a:bodyPr/>
           <a:lstStyle/>
@@ -18854,7 +18983,15 @@
             <p:ph type="sldNum" sz="quarter" idx="12"/>
           </p:nvPr>
         </p:nvSpPr>
-        <p:spPr/>
+        <p:spPr>
+          <a:xfrm>
+            <a:off x="6457949" y="345615"/>
+            <a:ext cx="2262101" cy="552160"/>
+          </a:xfrm>
+          <a:prstGeom prst="rect">
+            <a:avLst/>
+          </a:prstGeom>
+        </p:spPr>
         <p:txBody>
           <a:bodyPr/>
           <a:lstStyle/>
@@ -18884,9 +19021,21 @@
 <p:sldMaster xmlns:a="http://schemas.openxmlformats.org/drawingml/2006/main" xmlns:r="http://schemas.openxmlformats.org/officeDocument/2006/relationships" xmlns:p="http://schemas.openxmlformats.org/presentationml/2006/main">
   <p:cSld>
     <p:bg>
-      <p:bgRef idx="1001">
-        <a:schemeClr val="bg1"/>
-      </p:bgRef>
+      <p:bgPr>
+        <a:gradFill flip="none" rotWithShape="1">
+          <a:gsLst>
+            <a:gs pos="50000">
+              <a:schemeClr val="bg1"/>
+            </a:gs>
+            <a:gs pos="0">
+              <a:srgbClr val="FFCCCC"/>
+            </a:gs>
+          </a:gsLst>
+          <a:lin ang="0" scaled="1"/>
+          <a:tileRect/>
+        </a:gradFill>
+        <a:effectLst/>
+      </p:bgPr>
     </p:bg>
     <p:spTree>
       <p:nvGrpSpPr>
@@ -19093,53 +19242,6 @@
             </a:lvl1pPr>
           </a:lstStyle>
           <a:p>
-            <a:endParaRPr lang="en-US"/>
-          </a:p>
-        </p:txBody>
-      </p:sp>
-      <p:sp>
-        <p:nvSpPr>
-          <p:cNvPr id="6" name="Slide Number Placeholder 5">
-            <a:extLst>
-              <a:ext uri="{FF2B5EF4-FFF2-40B4-BE49-F238E27FC236}">
-                <a16:creationId xmlns:a16="http://schemas.microsoft.com/office/drawing/2014/main" id="{AA71A5AB-9D5F-40C8-B70D-2ECB60C5AC4C}"/>
-              </a:ext>
-            </a:extLst>
-          </p:cNvPr>
-          <p:cNvSpPr>
-            <a:spLocks noGrp="1"/>
-          </p:cNvSpPr>
-          <p:nvPr>
-            <p:ph type="sldNum" sz="quarter" idx="4"/>
-          </p:nvPr>
-        </p:nvSpPr>
-        <p:spPr>
-          <a:xfrm>
-            <a:off x="6457950" y="6356351"/>
-            <a:ext cx="2057400" cy="365125"/>
-          </a:xfrm>
-          <a:prstGeom prst="rect">
-            <a:avLst/>
-          </a:prstGeom>
-        </p:spPr>
-        <p:txBody>
-          <a:bodyPr vert="horz" lIns="91440" tIns="45720" rIns="91440" bIns="45720" rtlCol="0" anchor="ctr"/>
-          <a:lstStyle>
-            <a:lvl1pPr algn="r">
-              <a:defRPr sz="1200">
-                <a:solidFill>
-                  <a:schemeClr val="tx1">
-                    <a:tint val="75000"/>
-                  </a:schemeClr>
-                </a:solidFill>
-              </a:defRPr>
-            </a:lvl1pPr>
-          </a:lstStyle>
-          <a:p>
-            <a:fld id="{1B02E3B8-FEEB-401B-9039-88011F6CD82C}" type="slidenum">
-              <a:rPr lang="en-US" smtClean="0"/>
-              <a:t>‹#›</a:t>
-            </a:fld>
             <a:endParaRPr lang="en-US"/>
           </a:p>
         </p:txBody>
@@ -20831,10 +20933,10 @@
       </p:graphicFrame>
       <p:grpSp>
         <p:nvGrpSpPr>
-          <p:cNvPr id="19" name="Group 18">
+          <p:cNvPr id="13" name="Group 12">
             <a:extLst>
               <a:ext uri="{FF2B5EF4-FFF2-40B4-BE49-F238E27FC236}">
-                <a16:creationId xmlns:a16="http://schemas.microsoft.com/office/drawing/2014/main" id="{3A53E6AB-F9E3-4912-8D44-F60A81D2C85B}"/>
+                <a16:creationId xmlns:a16="http://schemas.microsoft.com/office/drawing/2014/main" id="{94740F03-7379-4B1B-9488-7950DDDF5EBB}"/>
               </a:ext>
             </a:extLst>
           </p:cNvPr>
@@ -20843,7 +20945,7 @@
         </p:nvGrpSpPr>
         <p:grpSpPr>
           <a:xfrm>
-            <a:off x="7852173" y="365126"/>
+            <a:off x="7745641" y="1027907"/>
             <a:ext cx="956140" cy="1430905"/>
             <a:chOff x="7987771" y="468729"/>
             <a:chExt cx="956140" cy="1430905"/>
@@ -20851,10 +20953,10 @@
         </p:grpSpPr>
         <p:sp>
           <p:nvSpPr>
-            <p:cNvPr id="18" name="Parallelogram 17">
+            <p:cNvPr id="14" name="Parallelogram 13">
               <a:extLst>
                 <a:ext uri="{FF2B5EF4-FFF2-40B4-BE49-F238E27FC236}">
-                  <a16:creationId xmlns:a16="http://schemas.microsoft.com/office/drawing/2014/main" id="{FF7F0A08-93DC-4C2B-AFD0-66227B757EDE}"/>
+                  <a16:creationId xmlns:a16="http://schemas.microsoft.com/office/drawing/2014/main" id="{0295504A-C657-48DE-B5AF-EF39872BBB10}"/>
                 </a:ext>
               </a:extLst>
             </p:cNvPr>
@@ -20905,10 +21007,10 @@
         </p:sp>
         <p:sp>
           <p:nvSpPr>
-            <p:cNvPr id="17" name="Parallelogram 16">
+            <p:cNvPr id="20" name="Parallelogram 19">
               <a:extLst>
                 <a:ext uri="{FF2B5EF4-FFF2-40B4-BE49-F238E27FC236}">
-                  <a16:creationId xmlns:a16="http://schemas.microsoft.com/office/drawing/2014/main" id="{63F5ED18-8246-489B-B8A8-9F5A2F6E19FF}"/>
+                  <a16:creationId xmlns:a16="http://schemas.microsoft.com/office/drawing/2014/main" id="{3DA35720-B30D-4F1A-82B4-16D482171994}"/>
                 </a:ext>
               </a:extLst>
             </p:cNvPr>
@@ -20959,10 +21061,10 @@
         </p:sp>
         <p:sp>
           <p:nvSpPr>
-            <p:cNvPr id="16" name="Parallelogram 15">
+            <p:cNvPr id="21" name="Parallelogram 20">
               <a:extLst>
                 <a:ext uri="{FF2B5EF4-FFF2-40B4-BE49-F238E27FC236}">
-                  <a16:creationId xmlns:a16="http://schemas.microsoft.com/office/drawing/2014/main" id="{DFC5851E-FD3A-49F1-B051-38FCE142F8B6}"/>
+                  <a16:creationId xmlns:a16="http://schemas.microsoft.com/office/drawing/2014/main" id="{84C8D53C-7C91-4198-9A8F-5AF03EF135FA}"/>
                 </a:ext>
               </a:extLst>
             </p:cNvPr>
@@ -21013,10 +21115,10 @@
         </p:sp>
         <p:sp>
           <p:nvSpPr>
-            <p:cNvPr id="15" name="Parallelogram 14">
+            <p:cNvPr id="22" name="Parallelogram 21">
               <a:extLst>
                 <a:ext uri="{FF2B5EF4-FFF2-40B4-BE49-F238E27FC236}">
-                  <a16:creationId xmlns:a16="http://schemas.microsoft.com/office/drawing/2014/main" id="{25B2657E-36A6-4F24-8D7C-3E8F34873CE7}"/>
+                  <a16:creationId xmlns:a16="http://schemas.microsoft.com/office/drawing/2014/main" id="{90CDE302-0E98-4314-8EA0-E31785607397}"/>
                 </a:ext>
               </a:extLst>
             </p:cNvPr>
@@ -21330,10 +21432,10 @@
       </p:graphicFrame>
       <p:grpSp>
         <p:nvGrpSpPr>
-          <p:cNvPr id="7" name="Group 6">
+          <p:cNvPr id="13" name="Group 12">
             <a:extLst>
               <a:ext uri="{FF2B5EF4-FFF2-40B4-BE49-F238E27FC236}">
-                <a16:creationId xmlns:a16="http://schemas.microsoft.com/office/drawing/2014/main" id="{9AD5E8EA-C7CA-4E26-A2B4-1A59067E9F6B}"/>
+                <a16:creationId xmlns:a16="http://schemas.microsoft.com/office/drawing/2014/main" id="{04549999-B7BF-4135-8088-7236E6124074}"/>
               </a:ext>
             </a:extLst>
           </p:cNvPr>
@@ -21342,7 +21444,7 @@
         </p:nvGrpSpPr>
         <p:grpSpPr>
           <a:xfrm>
-            <a:off x="7852173" y="365126"/>
+            <a:off x="7745641" y="1027907"/>
             <a:ext cx="956140" cy="1430905"/>
             <a:chOff x="7987771" y="468729"/>
             <a:chExt cx="956140" cy="1430905"/>
@@ -21350,10 +21452,10 @@
         </p:grpSpPr>
         <p:sp>
           <p:nvSpPr>
-            <p:cNvPr id="8" name="Parallelogram 7">
+            <p:cNvPr id="14" name="Parallelogram 13">
               <a:extLst>
                 <a:ext uri="{FF2B5EF4-FFF2-40B4-BE49-F238E27FC236}">
-                  <a16:creationId xmlns:a16="http://schemas.microsoft.com/office/drawing/2014/main" id="{9D16E1B3-8EBF-4D9A-90DA-6EC6156ADD06}"/>
+                  <a16:creationId xmlns:a16="http://schemas.microsoft.com/office/drawing/2014/main" id="{DF7AAE84-38BB-4CA7-9284-0D39F0E710BC}"/>
                 </a:ext>
               </a:extLst>
             </p:cNvPr>
@@ -21404,10 +21506,10 @@
         </p:sp>
         <p:sp>
           <p:nvSpPr>
-            <p:cNvPr id="9" name="Parallelogram 8">
+            <p:cNvPr id="15" name="Parallelogram 14">
               <a:extLst>
                 <a:ext uri="{FF2B5EF4-FFF2-40B4-BE49-F238E27FC236}">
-                  <a16:creationId xmlns:a16="http://schemas.microsoft.com/office/drawing/2014/main" id="{822B491E-3F4A-4347-BB50-205CA11847CD}"/>
+                  <a16:creationId xmlns:a16="http://schemas.microsoft.com/office/drawing/2014/main" id="{4376F2A5-57FB-4ECA-B4BC-F5859A9BA71A}"/>
                 </a:ext>
               </a:extLst>
             </p:cNvPr>
@@ -21458,10 +21560,10 @@
         </p:sp>
         <p:sp>
           <p:nvSpPr>
-            <p:cNvPr id="10" name="Parallelogram 9">
+            <p:cNvPr id="16" name="Parallelogram 15">
               <a:extLst>
                 <a:ext uri="{FF2B5EF4-FFF2-40B4-BE49-F238E27FC236}">
-                  <a16:creationId xmlns:a16="http://schemas.microsoft.com/office/drawing/2014/main" id="{2C1F159D-EF25-4A5D-9923-0EA312161979}"/>
+                  <a16:creationId xmlns:a16="http://schemas.microsoft.com/office/drawing/2014/main" id="{459C83C1-15DA-40E2-A922-F9085958AE01}"/>
                 </a:ext>
               </a:extLst>
             </p:cNvPr>
@@ -21512,10 +21614,10 @@
         </p:sp>
         <p:sp>
           <p:nvSpPr>
-            <p:cNvPr id="11" name="Parallelogram 10">
+            <p:cNvPr id="17" name="Parallelogram 16">
               <a:extLst>
                 <a:ext uri="{FF2B5EF4-FFF2-40B4-BE49-F238E27FC236}">
-                  <a16:creationId xmlns:a16="http://schemas.microsoft.com/office/drawing/2014/main" id="{FFD8792A-560A-4816-9327-19A459DBD5E4}"/>
+                  <a16:creationId xmlns:a16="http://schemas.microsoft.com/office/drawing/2014/main" id="{6190CCDA-2623-4057-9EFA-3C436A413BAC}"/>
                 </a:ext>
               </a:extLst>
             </p:cNvPr>
@@ -23141,7 +23243,7 @@
         </p:nvSpPr>
         <p:spPr>
           <a:xfrm flipV="1">
-            <a:off x="4193899" y="5844902"/>
+            <a:off x="4128426" y="5844902"/>
             <a:ext cx="712246" cy="789583"/>
           </a:xfrm>
           <a:prstGeom prst="bentArrow">
@@ -23204,7 +23306,7 @@
         </p:nvGrpSpPr>
         <p:grpSpPr>
           <a:xfrm>
-            <a:off x="4906145" y="6139527"/>
+            <a:off x="4633929" y="6151307"/>
             <a:ext cx="2448815" cy="706693"/>
             <a:chOff x="1339123" y="1242223"/>
             <a:chExt cx="904044" cy="825243"/>
